--- a/分享会/1.NodeJS分享/NodeJS之Koa分享.pptx
+++ b/分享会/1.NodeJS分享/NodeJS之Koa分享.pptx
@@ -5,7 +5,7 @@
     <p:sldMasterId id="2147483648" r:id="rId1"/>
   </p:sldMasterIdLst>
   <p:notesMasterIdLst>
-    <p:notesMasterId r:id="rId20"/>
+    <p:notesMasterId r:id="rId21"/>
   </p:notesMasterIdLst>
   <p:sldIdLst>
     <p:sldId id="256" r:id="rId3"/>
@@ -23,8 +23,9 @@
     <p:sldId id="280" r:id="rId15"/>
     <p:sldId id="275" r:id="rId16"/>
     <p:sldId id="281" r:id="rId17"/>
-    <p:sldId id="272" r:id="rId18"/>
-    <p:sldId id="271" r:id="rId19"/>
+    <p:sldId id="286" r:id="rId18"/>
+    <p:sldId id="272" r:id="rId19"/>
+    <p:sldId id="271" r:id="rId20"/>
   </p:sldIdLst>
   <p:sldSz cx="12192000" cy="6858000"/>
   <p:notesSz cx="6858000" cy="9144000"/>
@@ -15172,18 +15173,7 @@
                 <a:ea typeface="+mj-ea"/>
                 <a:sym typeface="+mn-ea"/>
               </a:rPr>
-              <a:t>我们来</a:t>
-            </a:r>
-            <a:r>
-              <a:rPr lang="zh-CN" altLang="en-US" sz="1600">
-                <a:solidFill>
-                  <a:schemeClr val="bg1"/>
-                </a:solidFill>
-                <a:latin typeface="+mj-ea"/>
-                <a:ea typeface="+mj-ea"/>
-                <a:sym typeface="+mn-ea"/>
-              </a:rPr>
-              <a:t>看下项目结构和代码</a:t>
+              <a:t>我们来看下项目结构和代码</a:t>
             </a:r>
             <a:endParaRPr lang="zh-CN" altLang="en-US" sz="1600">
               <a:solidFill>
@@ -15630,7 +15620,7 @@
                 <a:ea typeface="+mj-ea"/>
                 <a:sym typeface="+mn-ea"/>
               </a:rPr>
-              <a:t>二</a:t>
+              <a:t>三</a:t>
             </a:r>
             <a:r>
               <a:rPr lang="en-US" altLang="zh-CN" sz="2400">
@@ -15641,29 +15631,7 @@
                 <a:ea typeface="+mj-ea"/>
                 <a:sym typeface="+mn-ea"/>
               </a:rPr>
-              <a:t>.koa</a:t>
-            </a:r>
-            <a:r>
-              <a:rPr lang="zh-CN" altLang="en-US" sz="2400">
-                <a:solidFill>
-                  <a:schemeClr val="bg1"/>
-                </a:solidFill>
-                <a:latin typeface="+mj-ea"/>
-                <a:ea typeface="+mj-ea"/>
-                <a:sym typeface="+mn-ea"/>
-              </a:rPr>
-              <a:t>框架 </a:t>
-            </a:r>
-            <a:r>
-              <a:rPr lang="en-US" altLang="zh-CN" sz="2400">
-                <a:solidFill>
-                  <a:schemeClr val="bg1"/>
-                </a:solidFill>
-                <a:latin typeface="+mj-ea"/>
-                <a:ea typeface="+mj-ea"/>
-                <a:sym typeface="+mn-ea"/>
-              </a:rPr>
-              <a:t>- </a:t>
+              <a:t>.</a:t>
             </a:r>
             <a:r>
               <a:rPr lang="zh-CN" altLang="en-US" sz="2400">
@@ -15705,7 +15673,7 @@
         <p:spPr>
           <a:xfrm>
             <a:off x="1197610" y="1659890"/>
-            <a:ext cx="8891905" cy="2553335"/>
+            <a:ext cx="8891905" cy="3784600"/>
           </a:xfrm>
           <a:prstGeom prst="rect">
             <a:avLst/>
@@ -15742,9 +15710,29 @@
                 <a:latin typeface="+mj-ea"/>
                 <a:ea typeface="+mj-ea"/>
               </a:rPr>
-              <a:t>安装 koa-generator</a:t>
-            </a:r>
-            <a:endParaRPr lang="zh-CN" altLang="en-US" sz="1600">
+              <a:t>安装 koa-</a:t>
+            </a:r>
+            <a:r>
+              <a:rPr lang="en-US" altLang="zh-CN" sz="1600">
+                <a:solidFill>
+                  <a:schemeClr val="bg1"/>
+                </a:solidFill>
+                <a:latin typeface="+mj-ea"/>
+                <a:ea typeface="+mj-ea"/>
+              </a:rPr>
+              <a:t>r</a:t>
+            </a:r>
+            <a:r>
+              <a:rPr lang="en-US" altLang="zh-CN" sz="1600">
+                <a:solidFill>
+                  <a:schemeClr val="bg1"/>
+                </a:solidFill>
+                <a:latin typeface="+mj-ea"/>
+                <a:ea typeface="+mj-ea"/>
+              </a:rPr>
+              <a:t>outer</a:t>
+            </a:r>
+            <a:endParaRPr lang="en-US" altLang="zh-CN" sz="1600">
               <a:solidFill>
                 <a:schemeClr val="bg1"/>
               </a:solidFill>
@@ -15771,7 +15759,34 @@
                 <a:latin typeface="+mj-ea"/>
                 <a:ea typeface="+mj-ea"/>
               </a:rPr>
-              <a:t>npm install koa-generator -g</a:t>
+              <a:t>npm install koa-</a:t>
+            </a:r>
+            <a:r>
+              <a:rPr lang="en-US" altLang="zh-CN" sz="1600">
+                <a:solidFill>
+                  <a:schemeClr val="accent6">
+                    <a:lumMod val="60000"/>
+                    <a:lumOff val="40000"/>
+                  </a:schemeClr>
+                </a:solidFill>
+                <a:latin typeface="+mj-ea"/>
+                <a:ea typeface="+mj-ea"/>
+                <a:sym typeface="+mn-ea"/>
+              </a:rPr>
+              <a:t>router </a:t>
+            </a:r>
+            <a:r>
+              <a:rPr lang="en-US" altLang="zh-CN" sz="1600">
+                <a:solidFill>
+                  <a:schemeClr val="accent6">
+                    <a:lumMod val="60000"/>
+                    <a:lumOff val="40000"/>
+                  </a:schemeClr>
+                </a:solidFill>
+                <a:latin typeface="+mj-ea"/>
+                <a:ea typeface="+mj-ea"/>
+              </a:rPr>
+              <a:t>-S</a:t>
             </a:r>
             <a:endParaRPr lang="en-US" altLang="zh-CN" sz="1600">
               <a:solidFill>
@@ -15829,7 +15844,7 @@
                 <a:latin typeface="+mj-ea"/>
                 <a:ea typeface="+mj-ea"/>
               </a:rPr>
-              <a:t>构建</a:t>
+              <a:t>使用</a:t>
             </a:r>
             <a:endParaRPr lang="zh-CN" altLang="en-US" sz="1600">
               <a:solidFill>
@@ -15859,7 +15874,7 @@
                 <a:ea typeface="+mj-ea"/>
                 <a:sym typeface="+mn-ea"/>
               </a:rPr>
-              <a:t>koa2 -e projectName</a:t>
+              <a:t>let router = new Router();</a:t>
             </a:r>
             <a:endParaRPr lang="en-US" altLang="zh-CN" sz="1600">
               <a:solidFill>
@@ -15904,28 +15919,23 @@
             <a:r>
               <a:rPr lang="en-US" altLang="zh-CN" sz="1600">
                 <a:solidFill>
-                  <a:schemeClr val="bg1"/>
+                  <a:schemeClr val="accent6">
+                    <a:lumMod val="60000"/>
+                    <a:lumOff val="40000"/>
+                  </a:schemeClr>
                 </a:solidFill>
                 <a:latin typeface="+mj-ea"/>
                 <a:ea typeface="+mj-ea"/>
                 <a:sym typeface="+mn-ea"/>
               </a:rPr>
-              <a:t>3.</a:t>
-            </a:r>
-            <a:r>
-              <a:rPr lang="zh-CN" altLang="en-US" sz="1600">
-                <a:solidFill>
-                  <a:schemeClr val="bg1"/>
-                </a:solidFill>
-                <a:latin typeface="+mj-ea"/>
-                <a:ea typeface="+mj-ea"/>
-                <a:sym typeface="+mn-ea"/>
-              </a:rPr>
-              <a:t>运行</a:t>
-            </a:r>
-            <a:endParaRPr lang="zh-CN" altLang="en-US" sz="1600">
+              <a:t>router.get("/", ctx =&gt; {</a:t>
+            </a:r>
+            <a:endParaRPr lang="en-US" altLang="zh-CN" sz="1600">
               <a:solidFill>
-                <a:schemeClr val="bg1"/>
+                <a:schemeClr val="accent6">
+                  <a:lumMod val="60000"/>
+                  <a:lumOff val="40000"/>
+                </a:schemeClr>
               </a:solidFill>
               <a:latin typeface="+mj-ea"/>
               <a:ea typeface="+mj-ea"/>
@@ -15952,7 +15962,75 @@
                 <a:ea typeface="+mj-ea"/>
                 <a:sym typeface="+mn-ea"/>
               </a:rPr>
-              <a:t>npm start</a:t>
+              <a:t>  ctx.body = "index.html"</a:t>
+            </a:r>
+            <a:endParaRPr lang="en-US" altLang="zh-CN" sz="1600">
+              <a:solidFill>
+                <a:schemeClr val="accent6">
+                  <a:lumMod val="60000"/>
+                  <a:lumOff val="40000"/>
+                </a:schemeClr>
+              </a:solidFill>
+              <a:latin typeface="+mj-ea"/>
+              <a:ea typeface="+mj-ea"/>
+              <a:sym typeface="+mn-ea"/>
+            </a:endParaRPr>
+          </a:p>
+          <a:p>
+            <a:pPr indent="0">
+              <a:lnSpc>
+                <a:spcPct val="100000"/>
+              </a:lnSpc>
+              <a:buFont typeface="+mj-ea"/>
+              <a:buNone/>
+            </a:pPr>
+            <a:r>
+              <a:rPr lang="en-US" altLang="zh-CN" sz="1600">
+                <a:solidFill>
+                  <a:schemeClr val="accent6">
+                    <a:lumMod val="60000"/>
+                    <a:lumOff val="40000"/>
+                  </a:schemeClr>
+                </a:solidFill>
+                <a:latin typeface="+mj-ea"/>
+                <a:ea typeface="+mj-ea"/>
+                <a:sym typeface="+mn-ea"/>
+              </a:rPr>
+              <a:t>})</a:t>
+            </a:r>
+            <a:endParaRPr lang="en-US" altLang="zh-CN" sz="1600">
+              <a:solidFill>
+                <a:schemeClr val="accent6">
+                  <a:lumMod val="60000"/>
+                  <a:lumOff val="40000"/>
+                </a:schemeClr>
+              </a:solidFill>
+              <a:latin typeface="+mj-ea"/>
+              <a:ea typeface="+mj-ea"/>
+              <a:sym typeface="+mn-ea"/>
+            </a:endParaRPr>
+          </a:p>
+          <a:p>
+            <a:pPr indent="0">
+              <a:lnSpc>
+                <a:spcPct val="100000"/>
+              </a:lnSpc>
+              <a:buFont typeface="+mj-ea"/>
+              <a:buNone/>
+            </a:pPr>
+            <a:r>
+              <a:rPr lang="en-US" altLang="zh-CN" sz="1600">
+                <a:solidFill>
+                  <a:schemeClr val="accent6">
+                    <a:lumMod val="60000"/>
+                    <a:lumOff val="40000"/>
+                  </a:schemeClr>
+                </a:solidFill>
+                <a:latin typeface="+mj-ea"/>
+                <a:ea typeface="+mj-ea"/>
+                <a:sym typeface="+mn-ea"/>
+              </a:rPr>
+              <a:t>app.use(router.routes())</a:t>
             </a:r>
             <a:endParaRPr lang="en-US" altLang="zh-CN" sz="1600">
               <a:solidFill>
@@ -16003,6 +16081,99 @@
                 <a:ea typeface="+mj-ea"/>
                 <a:sym typeface="+mn-ea"/>
               </a:rPr>
+              <a:t>3.</a:t>
+            </a:r>
+            <a:r>
+              <a:rPr lang="zh-CN" altLang="en-US" sz="1600">
+                <a:solidFill>
+                  <a:schemeClr val="bg1"/>
+                </a:solidFill>
+                <a:latin typeface="+mj-ea"/>
+                <a:ea typeface="+mj-ea"/>
+                <a:sym typeface="+mn-ea"/>
+              </a:rPr>
+              <a:t>运行</a:t>
+            </a:r>
+            <a:endParaRPr lang="zh-CN" altLang="en-US" sz="1600">
+              <a:solidFill>
+                <a:schemeClr val="bg1"/>
+              </a:solidFill>
+              <a:latin typeface="+mj-ea"/>
+              <a:ea typeface="+mj-ea"/>
+              <a:sym typeface="+mn-ea"/>
+            </a:endParaRPr>
+          </a:p>
+          <a:p>
+            <a:pPr indent="0">
+              <a:lnSpc>
+                <a:spcPct val="100000"/>
+              </a:lnSpc>
+              <a:buFont typeface="+mj-ea"/>
+              <a:buNone/>
+            </a:pPr>
+            <a:r>
+              <a:rPr lang="en-US" altLang="zh-CN" sz="1600">
+                <a:solidFill>
+                  <a:schemeClr val="accent6">
+                    <a:lumMod val="60000"/>
+                    <a:lumOff val="40000"/>
+                  </a:schemeClr>
+                </a:solidFill>
+                <a:latin typeface="+mj-ea"/>
+                <a:ea typeface="+mj-ea"/>
+                <a:sym typeface="+mn-ea"/>
+              </a:rPr>
+              <a:t>node route1.js</a:t>
+            </a:r>
+            <a:endParaRPr lang="en-US" altLang="zh-CN" sz="1600">
+              <a:solidFill>
+                <a:schemeClr val="accent6">
+                  <a:lumMod val="60000"/>
+                  <a:lumOff val="40000"/>
+                </a:schemeClr>
+              </a:solidFill>
+              <a:latin typeface="+mj-ea"/>
+              <a:ea typeface="+mj-ea"/>
+              <a:sym typeface="+mn-ea"/>
+            </a:endParaRPr>
+          </a:p>
+          <a:p>
+            <a:pPr indent="0">
+              <a:lnSpc>
+                <a:spcPct val="100000"/>
+              </a:lnSpc>
+              <a:buFont typeface="+mj-ea"/>
+              <a:buNone/>
+            </a:pPr>
+            <a:endParaRPr lang="en-US" altLang="zh-CN" sz="1600">
+              <a:solidFill>
+                <a:schemeClr val="accent6">
+                  <a:lumMod val="60000"/>
+                  <a:lumOff val="40000"/>
+                </a:schemeClr>
+              </a:solidFill>
+              <a:latin typeface="+mj-ea"/>
+              <a:ea typeface="+mj-ea"/>
+              <a:sym typeface="+mn-ea"/>
+            </a:endParaRPr>
+          </a:p>
+          <a:p>
+            <a:pPr indent="0">
+              <a:lnSpc>
+                <a:spcPct val="100000"/>
+              </a:lnSpc>
+              <a:buFont typeface="+mj-ea"/>
+              <a:buNone/>
+            </a:pPr>
+            <a:r>
+              <a:rPr lang="en-US" altLang="zh-CN" sz="1600">
+                <a:solidFill>
+                  <a:schemeClr val="bg1"/>
+                </a:solidFill>
+                <a:latin typeface="+mj-ea"/>
+                <a:ea typeface="+mj-ea"/>
+                <a:sym typeface="+mn-ea"/>
+              </a:rPr>
               <a:t>4.</a:t>
             </a:r>
             <a:r>
@@ -16014,7 +16185,7 @@
                 <a:ea typeface="+mj-ea"/>
                 <a:sym typeface="+mn-ea"/>
               </a:rPr>
-              <a:t>我们来看下项目结构和代码</a:t>
+              <a:t>来看看其他形式的用法</a:t>
             </a:r>
             <a:endParaRPr lang="zh-CN" altLang="en-US" sz="1600">
               <a:solidFill>
@@ -16362,7 +16533,203 @@
                                         <p:tgtEl>
                                           <p:spTgt spid="2">
                                             <p:txEl>
+                                              <p:pRg st="8" end="8"/>
+                                            </p:txEl>
+                                          </p:spTgt>
+                                        </p:tgtEl>
+                                        <p:attrNameLst>
+                                          <p:attrName>style.visibility</p:attrName>
+                                        </p:attrNameLst>
+                                      </p:cBhvr>
+                                      <p:to>
+                                        <p:strVal val="visible"/>
+                                      </p:to>
+                                    </p:set>
+                                  </p:childTnLst>
+                                </p:cTn>
+                              </p:par>
+                            </p:childTnLst>
+                          </p:cTn>
+                        </p:par>
+                      </p:childTnLst>
+                    </p:cTn>
+                  </p:par>
+                  <p:par>
+                    <p:cTn id="31" fill="hold">
+                      <p:stCondLst>
+                        <p:cond delay="indefinite"/>
+                      </p:stCondLst>
+                      <p:childTnLst>
+                        <p:par>
+                          <p:cTn id="32" fill="hold">
+                            <p:stCondLst>
+                              <p:cond delay="0"/>
+                            </p:stCondLst>
+                            <p:childTnLst>
+                              <p:par>
+                                <p:cTn id="33" presetID="1" presetClass="entr" presetSubtype="0" fill="hold" nodeType="clickEffect">
+                                  <p:stCondLst>
+                                    <p:cond delay="0"/>
+                                  </p:stCondLst>
+                                  <p:childTnLst>
+                                    <p:set>
+                                      <p:cBhvr>
+                                        <p:cTn id="34" dur="1" fill="hold">
+                                          <p:stCondLst>
+                                            <p:cond delay="0"/>
+                                          </p:stCondLst>
+                                        </p:cTn>
+                                        <p:tgtEl>
+                                          <p:spTgt spid="2">
+                                            <p:txEl>
                                               <p:pRg st="9" end="9"/>
+                                            </p:txEl>
+                                          </p:spTgt>
+                                        </p:tgtEl>
+                                        <p:attrNameLst>
+                                          <p:attrName>style.visibility</p:attrName>
+                                        </p:attrNameLst>
+                                      </p:cBhvr>
+                                      <p:to>
+                                        <p:strVal val="visible"/>
+                                      </p:to>
+                                    </p:set>
+                                  </p:childTnLst>
+                                </p:cTn>
+                              </p:par>
+                            </p:childTnLst>
+                          </p:cTn>
+                        </p:par>
+                      </p:childTnLst>
+                    </p:cTn>
+                  </p:par>
+                  <p:par>
+                    <p:cTn id="35" fill="hold">
+                      <p:stCondLst>
+                        <p:cond delay="indefinite"/>
+                      </p:stCondLst>
+                      <p:childTnLst>
+                        <p:par>
+                          <p:cTn id="36" fill="hold">
+                            <p:stCondLst>
+                              <p:cond delay="0"/>
+                            </p:stCondLst>
+                            <p:childTnLst>
+                              <p:par>
+                                <p:cTn id="37" presetID="1" presetClass="entr" presetSubtype="0" fill="hold" nodeType="clickEffect">
+                                  <p:stCondLst>
+                                    <p:cond delay="0"/>
+                                  </p:stCondLst>
+                                  <p:childTnLst>
+                                    <p:set>
+                                      <p:cBhvr>
+                                        <p:cTn id="38" dur="1" fill="hold">
+                                          <p:stCondLst>
+                                            <p:cond delay="0"/>
+                                          </p:stCondLst>
+                                        </p:cTn>
+                                        <p:tgtEl>
+                                          <p:spTgt spid="2">
+                                            <p:txEl>
+                                              <p:pRg st="11" end="11"/>
+                                            </p:txEl>
+                                          </p:spTgt>
+                                        </p:tgtEl>
+                                        <p:attrNameLst>
+                                          <p:attrName>style.visibility</p:attrName>
+                                        </p:attrNameLst>
+                                      </p:cBhvr>
+                                      <p:to>
+                                        <p:strVal val="visible"/>
+                                      </p:to>
+                                    </p:set>
+                                  </p:childTnLst>
+                                </p:cTn>
+                              </p:par>
+                            </p:childTnLst>
+                          </p:cTn>
+                        </p:par>
+                      </p:childTnLst>
+                    </p:cTn>
+                  </p:par>
+                  <p:par>
+                    <p:cTn id="39" fill="hold">
+                      <p:stCondLst>
+                        <p:cond delay="indefinite"/>
+                      </p:stCondLst>
+                      <p:childTnLst>
+                        <p:par>
+                          <p:cTn id="40" fill="hold">
+                            <p:stCondLst>
+                              <p:cond delay="0"/>
+                            </p:stCondLst>
+                            <p:childTnLst>
+                              <p:par>
+                                <p:cTn id="41" presetID="1" presetClass="entr" presetSubtype="0" fill="hold" nodeType="clickEffect">
+                                  <p:stCondLst>
+                                    <p:cond delay="0"/>
+                                  </p:stCondLst>
+                                  <p:childTnLst>
+                                    <p:set>
+                                      <p:cBhvr>
+                                        <p:cTn id="42" dur="1" fill="hold">
+                                          <p:stCondLst>
+                                            <p:cond delay="0"/>
+                                          </p:stCondLst>
+                                        </p:cTn>
+                                        <p:tgtEl>
+                                          <p:spTgt spid="2">
+                                            <p:txEl>
+                                              <p:pRg st="12" end="12"/>
+                                            </p:txEl>
+                                          </p:spTgt>
+                                        </p:tgtEl>
+                                        <p:attrNameLst>
+                                          <p:attrName>style.visibility</p:attrName>
+                                        </p:attrNameLst>
+                                      </p:cBhvr>
+                                      <p:to>
+                                        <p:strVal val="visible"/>
+                                      </p:to>
+                                    </p:set>
+                                  </p:childTnLst>
+                                </p:cTn>
+                              </p:par>
+                            </p:childTnLst>
+                          </p:cTn>
+                        </p:par>
+                      </p:childTnLst>
+                    </p:cTn>
+                  </p:par>
+                  <p:par>
+                    <p:cTn id="43" fill="hold">
+                      <p:stCondLst>
+                        <p:cond delay="indefinite"/>
+                      </p:stCondLst>
+                      <p:childTnLst>
+                        <p:par>
+                          <p:cTn id="44" fill="hold">
+                            <p:stCondLst>
+                              <p:cond delay="0"/>
+                            </p:stCondLst>
+                            <p:childTnLst>
+                              <p:par>
+                                <p:cTn id="45" presetID="1" presetClass="entr" presetSubtype="0" fill="hold" nodeType="clickEffect">
+                                  <p:stCondLst>
+                                    <p:cond delay="0"/>
+                                  </p:stCondLst>
+                                  <p:childTnLst>
+                                    <p:set>
+                                      <p:cBhvr>
+                                        <p:cTn id="46" dur="1" fill="hold">
+                                          <p:stCondLst>
+                                            <p:cond delay="0"/>
+                                          </p:stCondLst>
+                                        </p:cTn>
+                                        <p:tgtEl>
+                                          <p:spTgt spid="2">
+                                            <p:txEl>
+                                              <p:pRg st="14" end="14"/>
                                             </p:txEl>
                                           </p:spTgt>
                                         </p:tgtEl>
@@ -16435,6 +16802,1281 @@
         <p:spPr>
           <a:xfrm>
             <a:off x="969645" y="512445"/>
+            <a:ext cx="7117080" cy="460375"/>
+          </a:xfrm>
+          <a:prstGeom prst="rect">
+            <a:avLst/>
+          </a:prstGeom>
+          <a:noFill/>
+          <a:ln>
+            <a:solidFill>
+              <a:schemeClr val="bg1"/>
+            </a:solidFill>
+          </a:ln>
+        </p:spPr>
+        <p:txBody>
+          <a:bodyPr wrap="square" rtlCol="0">
+            <a:spAutoFit/>
+          </a:bodyPr>
+          <a:p>
+            <a:r>
+              <a:rPr lang="zh-CN" altLang="en-US" sz="2400">
+                <a:solidFill>
+                  <a:schemeClr val="bg1"/>
+                </a:solidFill>
+                <a:latin typeface="+mj-ea"/>
+                <a:ea typeface="+mj-ea"/>
+                <a:sym typeface="+mn-ea"/>
+              </a:rPr>
+              <a:t>四</a:t>
+            </a:r>
+            <a:r>
+              <a:rPr lang="en-US" altLang="zh-CN" sz="2400">
+                <a:solidFill>
+                  <a:schemeClr val="bg1"/>
+                </a:solidFill>
+                <a:latin typeface="+mj-ea"/>
+                <a:ea typeface="+mj-ea"/>
+                <a:sym typeface="+mn-ea"/>
+              </a:rPr>
+              <a:t>.</a:t>
+            </a:r>
+            <a:r>
+              <a:rPr lang="zh-CN" altLang="en-US" sz="2400">
+                <a:solidFill>
+                  <a:schemeClr val="bg1"/>
+                </a:solidFill>
+                <a:latin typeface="+mj-ea"/>
+                <a:ea typeface="+mj-ea"/>
+                <a:sym typeface="+mn-ea"/>
+              </a:rPr>
+              <a:t>表单</a:t>
+            </a:r>
+            <a:r>
+              <a:rPr lang="en-US" altLang="zh-CN" sz="2400">
+                <a:solidFill>
+                  <a:schemeClr val="bg1"/>
+                </a:solidFill>
+                <a:latin typeface="+mj-ea"/>
+                <a:ea typeface="+mj-ea"/>
+              </a:rPr>
+              <a:t> </a:t>
+            </a:r>
+            <a:endParaRPr lang="en-US" altLang="zh-CN" sz="2400">
+              <a:solidFill>
+                <a:schemeClr val="bg1"/>
+              </a:solidFill>
+              <a:latin typeface="+mj-ea"/>
+              <a:ea typeface="+mj-ea"/>
+            </a:endParaRPr>
+          </a:p>
+        </p:txBody>
+      </p:sp>
+      <p:sp>
+        <p:nvSpPr>
+          <p:cNvPr id="2" name="文本框 1"/>
+          <p:cNvSpPr txBox="1"/>
+          <p:nvPr/>
+        </p:nvSpPr>
+        <p:spPr>
+          <a:xfrm>
+            <a:off x="1197610" y="1659890"/>
+            <a:ext cx="8891905" cy="3784600"/>
+          </a:xfrm>
+          <a:prstGeom prst="rect">
+            <a:avLst/>
+          </a:prstGeom>
+          <a:noFill/>
+        </p:spPr>
+        <p:txBody>
+          <a:bodyPr wrap="square" rtlCol="0">
+            <a:spAutoFit/>
+          </a:bodyPr>
+          <a:p>
+            <a:pPr indent="0">
+              <a:lnSpc>
+                <a:spcPct val="100000"/>
+              </a:lnSpc>
+              <a:buFont typeface="+mj-ea"/>
+              <a:buNone/>
+            </a:pPr>
+            <a:r>
+              <a:rPr lang="en-US" altLang="zh-CN" sz="1600">
+                <a:solidFill>
+                  <a:schemeClr val="bg1"/>
+                </a:solidFill>
+                <a:latin typeface="+mj-ea"/>
+                <a:ea typeface="+mj-ea"/>
+              </a:rPr>
+              <a:t>1.</a:t>
+            </a:r>
+            <a:r>
+              <a:rPr lang="zh-CN" altLang="en-US" sz="1600">
+                <a:solidFill>
+                  <a:schemeClr val="bg1"/>
+                </a:solidFill>
+                <a:latin typeface="+mj-ea"/>
+                <a:ea typeface="+mj-ea"/>
+              </a:rPr>
+              <a:t>安装 koa-</a:t>
+            </a:r>
+            <a:r>
+              <a:rPr lang="en-US" altLang="zh-CN" sz="1600">
+                <a:solidFill>
+                  <a:schemeClr val="bg1"/>
+                </a:solidFill>
+                <a:latin typeface="+mj-ea"/>
+                <a:ea typeface="+mj-ea"/>
+              </a:rPr>
+              <a:t>router</a:t>
+            </a:r>
+            <a:endParaRPr lang="en-US" altLang="zh-CN" sz="1600">
+              <a:solidFill>
+                <a:schemeClr val="bg1"/>
+              </a:solidFill>
+              <a:latin typeface="+mj-ea"/>
+              <a:ea typeface="+mj-ea"/>
+            </a:endParaRPr>
+          </a:p>
+          <a:p>
+            <a:pPr indent="0">
+              <a:lnSpc>
+                <a:spcPct val="100000"/>
+              </a:lnSpc>
+              <a:buFont typeface="+mj-ea"/>
+              <a:buNone/>
+            </a:pPr>
+            <a:r>
+              <a:rPr lang="en-US" altLang="zh-CN" sz="1600">
+                <a:solidFill>
+                  <a:schemeClr val="accent6">
+                    <a:lumMod val="60000"/>
+                    <a:lumOff val="40000"/>
+                  </a:schemeClr>
+                </a:solidFill>
+                <a:latin typeface="+mj-ea"/>
+                <a:ea typeface="+mj-ea"/>
+              </a:rPr>
+              <a:t>npm install </a:t>
+            </a:r>
+            <a:r>
+              <a:rPr lang="en-US" altLang="zh-CN" sz="1600">
+                <a:solidFill>
+                  <a:schemeClr val="accent6">
+                    <a:lumMod val="60000"/>
+                    <a:lumOff val="40000"/>
+                  </a:schemeClr>
+                </a:solidFill>
+                <a:latin typeface="+mj-ea"/>
+                <a:ea typeface="+mj-ea"/>
+                <a:sym typeface="+mn-ea"/>
+              </a:rPr>
+              <a:t>koa-bodyparser</a:t>
+            </a:r>
+            <a:r>
+              <a:rPr lang="en-US" altLang="zh-CN" sz="1600">
+                <a:solidFill>
+                  <a:schemeClr val="accent6">
+                    <a:lumMod val="60000"/>
+                    <a:lumOff val="40000"/>
+                  </a:schemeClr>
+                </a:solidFill>
+                <a:latin typeface="+mj-ea"/>
+                <a:ea typeface="+mj-ea"/>
+                <a:sym typeface="+mn-ea"/>
+              </a:rPr>
+              <a:t> </a:t>
+            </a:r>
+            <a:r>
+              <a:rPr lang="en-US" altLang="zh-CN" sz="1600">
+                <a:solidFill>
+                  <a:schemeClr val="accent6">
+                    <a:lumMod val="60000"/>
+                    <a:lumOff val="40000"/>
+                  </a:schemeClr>
+                </a:solidFill>
+                <a:latin typeface="+mj-ea"/>
+                <a:ea typeface="+mj-ea"/>
+              </a:rPr>
+              <a:t>-S</a:t>
+            </a:r>
+            <a:endParaRPr lang="en-US" altLang="zh-CN" sz="1600">
+              <a:solidFill>
+                <a:schemeClr val="accent6">
+                  <a:lumMod val="60000"/>
+                  <a:lumOff val="40000"/>
+                </a:schemeClr>
+              </a:solidFill>
+              <a:latin typeface="+mj-ea"/>
+              <a:ea typeface="+mj-ea"/>
+            </a:endParaRPr>
+          </a:p>
+          <a:p>
+            <a:pPr indent="0">
+              <a:lnSpc>
+                <a:spcPct val="100000"/>
+              </a:lnSpc>
+              <a:buFont typeface="+mj-ea"/>
+              <a:buNone/>
+            </a:pPr>
+            <a:endParaRPr lang="en-US" altLang="zh-CN" sz="1600">
+              <a:solidFill>
+                <a:schemeClr val="accent6">
+                  <a:lumMod val="60000"/>
+                  <a:lumOff val="40000"/>
+                </a:schemeClr>
+              </a:solidFill>
+              <a:latin typeface="+mj-ea"/>
+              <a:ea typeface="+mj-ea"/>
+            </a:endParaRPr>
+          </a:p>
+          <a:p>
+            <a:pPr indent="0">
+              <a:lnSpc>
+                <a:spcPct val="100000"/>
+              </a:lnSpc>
+              <a:buFont typeface="+mj-ea"/>
+              <a:buNone/>
+            </a:pPr>
+            <a:r>
+              <a:rPr lang="en-US" altLang="zh-CN" sz="1600">
+                <a:solidFill>
+                  <a:schemeClr val="bg1"/>
+                </a:solidFill>
+                <a:latin typeface="+mj-ea"/>
+                <a:ea typeface="+mj-ea"/>
+              </a:rPr>
+              <a:t>2.</a:t>
+            </a:r>
+            <a:r>
+              <a:rPr lang="zh-CN" altLang="en-US" sz="1600">
+                <a:solidFill>
+                  <a:schemeClr val="bg1"/>
+                </a:solidFill>
+                <a:latin typeface="+mj-ea"/>
+                <a:ea typeface="+mj-ea"/>
+              </a:rPr>
+              <a:t>使用</a:t>
+            </a:r>
+            <a:endParaRPr lang="zh-CN" altLang="en-US" sz="1600">
+              <a:solidFill>
+                <a:schemeClr val="bg1"/>
+              </a:solidFill>
+              <a:latin typeface="+mj-ea"/>
+              <a:ea typeface="+mj-ea"/>
+            </a:endParaRPr>
+          </a:p>
+          <a:p>
+            <a:pPr indent="0">
+              <a:lnSpc>
+                <a:spcPct val="100000"/>
+              </a:lnSpc>
+              <a:buFont typeface="+mj-ea"/>
+              <a:buNone/>
+            </a:pPr>
+            <a:r>
+              <a:rPr lang="en-US" altLang="zh-CN" sz="1600">
+                <a:solidFill>
+                  <a:schemeClr val="accent6">
+                    <a:lumMod val="60000"/>
+                    <a:lumOff val="40000"/>
+                  </a:schemeClr>
+                </a:solidFill>
+                <a:latin typeface="+mj-ea"/>
+                <a:ea typeface="+mj-ea"/>
+                <a:sym typeface="+mn-ea"/>
+              </a:rPr>
+              <a:t>const bodyparser = require('koa-bodyparser')</a:t>
+            </a:r>
+            <a:endParaRPr lang="en-US" altLang="zh-CN" sz="1600">
+              <a:solidFill>
+                <a:schemeClr val="accent6">
+                  <a:lumMod val="60000"/>
+                  <a:lumOff val="40000"/>
+                </a:schemeClr>
+              </a:solidFill>
+              <a:latin typeface="+mj-ea"/>
+              <a:ea typeface="+mj-ea"/>
+              <a:sym typeface="+mn-ea"/>
+            </a:endParaRPr>
+          </a:p>
+          <a:p>
+            <a:pPr indent="0">
+              <a:lnSpc>
+                <a:spcPct val="100000"/>
+              </a:lnSpc>
+              <a:buFont typeface="+mj-ea"/>
+              <a:buNone/>
+            </a:pPr>
+            <a:r>
+              <a:rPr lang="en-US" altLang="zh-CN" sz="1600">
+                <a:solidFill>
+                  <a:schemeClr val="accent6">
+                    <a:lumMod val="60000"/>
+                    <a:lumOff val="40000"/>
+                  </a:schemeClr>
+                </a:solidFill>
+                <a:latin typeface="+mj-ea"/>
+                <a:ea typeface="+mj-ea"/>
+                <a:sym typeface="+mn-ea"/>
+              </a:rPr>
+              <a:t>app.use(bodyparser({</a:t>
+            </a:r>
+            <a:endParaRPr lang="en-US" altLang="zh-CN" sz="1600">
+              <a:solidFill>
+                <a:schemeClr val="accent6">
+                  <a:lumMod val="60000"/>
+                  <a:lumOff val="40000"/>
+                </a:schemeClr>
+              </a:solidFill>
+              <a:latin typeface="+mj-ea"/>
+              <a:ea typeface="+mj-ea"/>
+              <a:sym typeface="+mn-ea"/>
+            </a:endParaRPr>
+          </a:p>
+          <a:p>
+            <a:pPr indent="0">
+              <a:lnSpc>
+                <a:spcPct val="100000"/>
+              </a:lnSpc>
+              <a:buFont typeface="+mj-ea"/>
+              <a:buNone/>
+            </a:pPr>
+            <a:r>
+              <a:rPr lang="en-US" altLang="zh-CN" sz="1600">
+                <a:solidFill>
+                  <a:schemeClr val="accent6">
+                    <a:lumMod val="60000"/>
+                    <a:lumOff val="40000"/>
+                  </a:schemeClr>
+                </a:solidFill>
+                <a:latin typeface="+mj-ea"/>
+                <a:ea typeface="+mj-ea"/>
+                <a:sym typeface="+mn-ea"/>
+              </a:rPr>
+              <a:t>  enableTypes:['json', 'form', 'text']</a:t>
+            </a:r>
+            <a:endParaRPr lang="en-US" altLang="zh-CN" sz="1600">
+              <a:solidFill>
+                <a:schemeClr val="accent6">
+                  <a:lumMod val="60000"/>
+                  <a:lumOff val="40000"/>
+                </a:schemeClr>
+              </a:solidFill>
+              <a:latin typeface="+mj-ea"/>
+              <a:ea typeface="+mj-ea"/>
+              <a:sym typeface="+mn-ea"/>
+            </a:endParaRPr>
+          </a:p>
+          <a:p>
+            <a:pPr indent="0">
+              <a:lnSpc>
+                <a:spcPct val="100000"/>
+              </a:lnSpc>
+              <a:buFont typeface="+mj-ea"/>
+              <a:buNone/>
+            </a:pPr>
+            <a:r>
+              <a:rPr lang="en-US" altLang="zh-CN" sz="1600">
+                <a:solidFill>
+                  <a:schemeClr val="accent6">
+                    <a:lumMod val="60000"/>
+                    <a:lumOff val="40000"/>
+                  </a:schemeClr>
+                </a:solidFill>
+                <a:latin typeface="+mj-ea"/>
+                <a:ea typeface="+mj-ea"/>
+                <a:sym typeface="+mn-ea"/>
+              </a:rPr>
+              <a:t>}))</a:t>
+            </a:r>
+            <a:endParaRPr lang="en-US" altLang="zh-CN" sz="1600">
+              <a:solidFill>
+                <a:schemeClr val="accent6">
+                  <a:lumMod val="60000"/>
+                  <a:lumOff val="40000"/>
+                </a:schemeClr>
+              </a:solidFill>
+              <a:latin typeface="+mj-ea"/>
+              <a:ea typeface="+mj-ea"/>
+              <a:sym typeface="+mn-ea"/>
+            </a:endParaRPr>
+          </a:p>
+          <a:p>
+            <a:pPr indent="0">
+              <a:lnSpc>
+                <a:spcPct val="100000"/>
+              </a:lnSpc>
+              <a:buFont typeface="+mj-ea"/>
+              <a:buNone/>
+            </a:pPr>
+            <a:endParaRPr lang="en-US" altLang="zh-CN" sz="1600">
+              <a:solidFill>
+                <a:schemeClr val="accent6">
+                  <a:lumMod val="60000"/>
+                  <a:lumOff val="40000"/>
+                </a:schemeClr>
+              </a:solidFill>
+              <a:latin typeface="+mj-ea"/>
+              <a:ea typeface="+mj-ea"/>
+              <a:sym typeface="+mn-ea"/>
+            </a:endParaRPr>
+          </a:p>
+          <a:p>
+            <a:pPr indent="0">
+              <a:lnSpc>
+                <a:spcPct val="100000"/>
+              </a:lnSpc>
+              <a:buFont typeface="+mj-ea"/>
+              <a:buNone/>
+            </a:pPr>
+            <a:r>
+              <a:rPr lang="en-US" altLang="zh-CN" sz="1600">
+                <a:solidFill>
+                  <a:schemeClr val="bg1"/>
+                </a:solidFill>
+                <a:latin typeface="+mj-ea"/>
+                <a:ea typeface="+mj-ea"/>
+                <a:sym typeface="+mn-ea"/>
+              </a:rPr>
+              <a:t>3.</a:t>
+            </a:r>
+            <a:r>
+              <a:rPr lang="zh-CN" altLang="en-US" sz="1600">
+                <a:solidFill>
+                  <a:schemeClr val="bg1"/>
+                </a:solidFill>
+                <a:latin typeface="+mj-ea"/>
+                <a:ea typeface="+mj-ea"/>
+                <a:sym typeface="+mn-ea"/>
+              </a:rPr>
+              <a:t>运行</a:t>
+            </a:r>
+            <a:endParaRPr lang="zh-CN" altLang="en-US" sz="1600">
+              <a:solidFill>
+                <a:schemeClr val="bg1"/>
+              </a:solidFill>
+              <a:latin typeface="+mj-ea"/>
+              <a:ea typeface="+mj-ea"/>
+              <a:sym typeface="+mn-ea"/>
+            </a:endParaRPr>
+          </a:p>
+          <a:p>
+            <a:pPr indent="0">
+              <a:lnSpc>
+                <a:spcPct val="100000"/>
+              </a:lnSpc>
+              <a:buFont typeface="+mj-ea"/>
+              <a:buNone/>
+            </a:pPr>
+            <a:r>
+              <a:rPr lang="en-US" altLang="zh-CN" sz="1600">
+                <a:solidFill>
+                  <a:schemeClr val="accent6">
+                    <a:lumMod val="60000"/>
+                    <a:lumOff val="40000"/>
+                  </a:schemeClr>
+                </a:solidFill>
+                <a:latin typeface="+mj-ea"/>
+                <a:ea typeface="+mj-ea"/>
+                <a:sym typeface="+mn-ea"/>
+              </a:rPr>
+              <a:t>node koa3/bin/www</a:t>
+            </a:r>
+            <a:endParaRPr lang="en-US" altLang="zh-CN" sz="1600">
+              <a:solidFill>
+                <a:schemeClr val="accent6">
+                  <a:lumMod val="60000"/>
+                  <a:lumOff val="40000"/>
+                </a:schemeClr>
+              </a:solidFill>
+              <a:latin typeface="+mj-ea"/>
+              <a:ea typeface="+mj-ea"/>
+              <a:sym typeface="+mn-ea"/>
+            </a:endParaRPr>
+          </a:p>
+          <a:p>
+            <a:pPr indent="0">
+              <a:lnSpc>
+                <a:spcPct val="100000"/>
+              </a:lnSpc>
+              <a:buFont typeface="+mj-ea"/>
+              <a:buNone/>
+            </a:pPr>
+            <a:endParaRPr lang="en-US" altLang="zh-CN" sz="1600">
+              <a:solidFill>
+                <a:schemeClr val="accent6">
+                  <a:lumMod val="60000"/>
+                  <a:lumOff val="40000"/>
+                </a:schemeClr>
+              </a:solidFill>
+              <a:latin typeface="+mj-ea"/>
+              <a:ea typeface="+mj-ea"/>
+              <a:sym typeface="+mn-ea"/>
+            </a:endParaRPr>
+          </a:p>
+          <a:p>
+            <a:pPr indent="0">
+              <a:lnSpc>
+                <a:spcPct val="100000"/>
+              </a:lnSpc>
+              <a:buFont typeface="+mj-ea"/>
+              <a:buNone/>
+            </a:pPr>
+            <a:r>
+              <a:rPr lang="en-US" altLang="zh-CN" sz="1600">
+                <a:solidFill>
+                  <a:schemeClr val="bg1"/>
+                </a:solidFill>
+                <a:latin typeface="+mj-ea"/>
+                <a:ea typeface="+mj-ea"/>
+                <a:sym typeface="+mn-ea"/>
+              </a:rPr>
+              <a:t>4.</a:t>
+            </a:r>
+            <a:r>
+              <a:rPr lang="zh-CN" altLang="en-US" sz="1600">
+                <a:solidFill>
+                  <a:schemeClr val="bg1"/>
+                </a:solidFill>
+                <a:latin typeface="+mj-ea"/>
+                <a:ea typeface="+mj-ea"/>
+                <a:sym typeface="+mn-ea"/>
+              </a:rPr>
+              <a:t>获取参数</a:t>
+            </a:r>
+            <a:endParaRPr lang="zh-CN" altLang="en-US" sz="1600">
+              <a:solidFill>
+                <a:schemeClr val="bg1"/>
+              </a:solidFill>
+              <a:latin typeface="+mj-ea"/>
+              <a:ea typeface="+mj-ea"/>
+              <a:sym typeface="+mn-ea"/>
+            </a:endParaRPr>
+          </a:p>
+          <a:p>
+            <a:pPr indent="0">
+              <a:lnSpc>
+                <a:spcPct val="100000"/>
+              </a:lnSpc>
+              <a:buFont typeface="+mj-ea"/>
+              <a:buNone/>
+            </a:pPr>
+            <a:r>
+              <a:rPr lang="en-US" altLang="zh-CN" sz="1600">
+                <a:solidFill>
+                  <a:schemeClr val="accent6">
+                    <a:lumMod val="60000"/>
+                    <a:lumOff val="40000"/>
+                  </a:schemeClr>
+                </a:solidFill>
+                <a:latin typeface="+mj-ea"/>
+                <a:ea typeface="+mj-ea"/>
+                <a:sym typeface="+mn-ea"/>
+              </a:rPr>
+              <a:t>post: ctx.request.body</a:t>
+            </a:r>
+            <a:endParaRPr lang="en-US" altLang="zh-CN" sz="1600">
+              <a:solidFill>
+                <a:schemeClr val="accent6">
+                  <a:lumMod val="60000"/>
+                  <a:lumOff val="40000"/>
+                </a:schemeClr>
+              </a:solidFill>
+              <a:latin typeface="+mj-ea"/>
+              <a:ea typeface="+mj-ea"/>
+              <a:sym typeface="+mn-ea"/>
+            </a:endParaRPr>
+          </a:p>
+          <a:p>
+            <a:pPr indent="0">
+              <a:lnSpc>
+                <a:spcPct val="100000"/>
+              </a:lnSpc>
+              <a:buFont typeface="+mj-ea"/>
+              <a:buNone/>
+            </a:pPr>
+            <a:r>
+              <a:rPr lang="en-US" altLang="zh-CN" sz="1600">
+                <a:solidFill>
+                  <a:schemeClr val="accent6">
+                    <a:lumMod val="60000"/>
+                    <a:lumOff val="40000"/>
+                  </a:schemeClr>
+                </a:solidFill>
+                <a:latin typeface="+mj-ea"/>
+                <a:ea typeface="+mj-ea"/>
+                <a:sym typeface="+mn-ea"/>
+              </a:rPr>
+              <a:t>get: ctx.query</a:t>
+            </a:r>
+            <a:endParaRPr lang="en-US" altLang="zh-CN" sz="1600">
+              <a:solidFill>
+                <a:schemeClr val="accent6">
+                  <a:lumMod val="60000"/>
+                  <a:lumOff val="40000"/>
+                </a:schemeClr>
+              </a:solidFill>
+              <a:latin typeface="+mj-ea"/>
+              <a:ea typeface="+mj-ea"/>
+              <a:sym typeface="+mn-ea"/>
+            </a:endParaRPr>
+          </a:p>
+        </p:txBody>
+      </p:sp>
+    </p:spTree>
+  </p:cSld>
+  <p:clrMapOvr>
+    <a:masterClrMapping/>
+  </p:clrMapOvr>
+  <p:timing>
+    <p:tnLst>
+      <p:par>
+        <p:cTn id="1" dur="indefinite" restart="never" nodeType="tmRoot">
+          <p:childTnLst>
+            <p:seq concurrent="1" nextAc="seek">
+              <p:cTn id="2" dur="indefinite" nodeType="mainSeq">
+                <p:childTnLst>
+                  <p:par>
+                    <p:cTn id="3" fill="hold">
+                      <p:stCondLst>
+                        <p:cond delay="indefinite"/>
+                      </p:stCondLst>
+                      <p:childTnLst>
+                        <p:par>
+                          <p:cTn id="4" fill="hold">
+                            <p:stCondLst>
+                              <p:cond delay="0"/>
+                            </p:stCondLst>
+                            <p:childTnLst>
+                              <p:par>
+                                <p:cTn id="5" presetID="1" presetClass="entr" presetSubtype="0" fill="hold" nodeType="clickEffect">
+                                  <p:stCondLst>
+                                    <p:cond delay="0"/>
+                                  </p:stCondLst>
+                                  <p:childTnLst>
+                                    <p:set>
+                                      <p:cBhvr>
+                                        <p:cTn id="6" dur="1" fill="hold">
+                                          <p:stCondLst>
+                                            <p:cond delay="0"/>
+                                          </p:stCondLst>
+                                        </p:cTn>
+                                        <p:tgtEl>
+                                          <p:spTgt spid="2">
+                                            <p:txEl>
+                                              <p:pRg st="0" end="0"/>
+                                            </p:txEl>
+                                          </p:spTgt>
+                                        </p:tgtEl>
+                                        <p:attrNameLst>
+                                          <p:attrName>style.visibility</p:attrName>
+                                        </p:attrNameLst>
+                                      </p:cBhvr>
+                                      <p:to>
+                                        <p:strVal val="visible"/>
+                                      </p:to>
+                                    </p:set>
+                                  </p:childTnLst>
+                                </p:cTn>
+                              </p:par>
+                            </p:childTnLst>
+                          </p:cTn>
+                        </p:par>
+                      </p:childTnLst>
+                    </p:cTn>
+                  </p:par>
+                  <p:par>
+                    <p:cTn id="7" fill="hold">
+                      <p:stCondLst>
+                        <p:cond delay="indefinite"/>
+                      </p:stCondLst>
+                      <p:childTnLst>
+                        <p:par>
+                          <p:cTn id="8" fill="hold">
+                            <p:stCondLst>
+                              <p:cond delay="0"/>
+                            </p:stCondLst>
+                            <p:childTnLst>
+                              <p:par>
+                                <p:cTn id="9" presetID="1" presetClass="entr" presetSubtype="0" fill="hold" nodeType="clickEffect">
+                                  <p:stCondLst>
+                                    <p:cond delay="0"/>
+                                  </p:stCondLst>
+                                  <p:childTnLst>
+                                    <p:set>
+                                      <p:cBhvr>
+                                        <p:cTn id="10" dur="1" fill="hold">
+                                          <p:stCondLst>
+                                            <p:cond delay="0"/>
+                                          </p:stCondLst>
+                                        </p:cTn>
+                                        <p:tgtEl>
+                                          <p:spTgt spid="2">
+                                            <p:txEl>
+                                              <p:pRg st="1" end="1"/>
+                                            </p:txEl>
+                                          </p:spTgt>
+                                        </p:tgtEl>
+                                        <p:attrNameLst>
+                                          <p:attrName>style.visibility</p:attrName>
+                                        </p:attrNameLst>
+                                      </p:cBhvr>
+                                      <p:to>
+                                        <p:strVal val="visible"/>
+                                      </p:to>
+                                    </p:set>
+                                  </p:childTnLst>
+                                </p:cTn>
+                              </p:par>
+                            </p:childTnLst>
+                          </p:cTn>
+                        </p:par>
+                      </p:childTnLst>
+                    </p:cTn>
+                  </p:par>
+                  <p:par>
+                    <p:cTn id="11" fill="hold">
+                      <p:stCondLst>
+                        <p:cond delay="indefinite"/>
+                      </p:stCondLst>
+                      <p:childTnLst>
+                        <p:par>
+                          <p:cTn id="12" fill="hold">
+                            <p:stCondLst>
+                              <p:cond delay="0"/>
+                            </p:stCondLst>
+                            <p:childTnLst>
+                              <p:par>
+                                <p:cTn id="13" presetID="1" presetClass="entr" presetSubtype="0" fill="hold" nodeType="clickEffect">
+                                  <p:stCondLst>
+                                    <p:cond delay="0"/>
+                                  </p:stCondLst>
+                                  <p:childTnLst>
+                                    <p:set>
+                                      <p:cBhvr>
+                                        <p:cTn id="14" dur="1" fill="hold">
+                                          <p:stCondLst>
+                                            <p:cond delay="0"/>
+                                          </p:stCondLst>
+                                        </p:cTn>
+                                        <p:tgtEl>
+                                          <p:spTgt spid="2">
+                                            <p:txEl>
+                                              <p:pRg st="3" end="3"/>
+                                            </p:txEl>
+                                          </p:spTgt>
+                                        </p:tgtEl>
+                                        <p:attrNameLst>
+                                          <p:attrName>style.visibility</p:attrName>
+                                        </p:attrNameLst>
+                                      </p:cBhvr>
+                                      <p:to>
+                                        <p:strVal val="visible"/>
+                                      </p:to>
+                                    </p:set>
+                                  </p:childTnLst>
+                                </p:cTn>
+                              </p:par>
+                            </p:childTnLst>
+                          </p:cTn>
+                        </p:par>
+                      </p:childTnLst>
+                    </p:cTn>
+                  </p:par>
+                  <p:par>
+                    <p:cTn id="15" fill="hold">
+                      <p:stCondLst>
+                        <p:cond delay="indefinite"/>
+                      </p:stCondLst>
+                      <p:childTnLst>
+                        <p:par>
+                          <p:cTn id="16" fill="hold">
+                            <p:stCondLst>
+                              <p:cond delay="0"/>
+                            </p:stCondLst>
+                            <p:childTnLst>
+                              <p:par>
+                                <p:cTn id="17" presetID="1" presetClass="entr" presetSubtype="0" fill="hold" nodeType="clickEffect">
+                                  <p:stCondLst>
+                                    <p:cond delay="0"/>
+                                  </p:stCondLst>
+                                  <p:childTnLst>
+                                    <p:set>
+                                      <p:cBhvr>
+                                        <p:cTn id="18" dur="1" fill="hold">
+                                          <p:stCondLst>
+                                            <p:cond delay="0"/>
+                                          </p:stCondLst>
+                                        </p:cTn>
+                                        <p:tgtEl>
+                                          <p:spTgt spid="2">
+                                            <p:txEl>
+                                              <p:pRg st="4" end="4"/>
+                                            </p:txEl>
+                                          </p:spTgt>
+                                        </p:tgtEl>
+                                        <p:attrNameLst>
+                                          <p:attrName>style.visibility</p:attrName>
+                                        </p:attrNameLst>
+                                      </p:cBhvr>
+                                      <p:to>
+                                        <p:strVal val="visible"/>
+                                      </p:to>
+                                    </p:set>
+                                  </p:childTnLst>
+                                </p:cTn>
+                              </p:par>
+                            </p:childTnLst>
+                          </p:cTn>
+                        </p:par>
+                      </p:childTnLst>
+                    </p:cTn>
+                  </p:par>
+                  <p:par>
+                    <p:cTn id="19" fill="hold">
+                      <p:stCondLst>
+                        <p:cond delay="indefinite"/>
+                      </p:stCondLst>
+                      <p:childTnLst>
+                        <p:par>
+                          <p:cTn id="20" fill="hold">
+                            <p:stCondLst>
+                              <p:cond delay="0"/>
+                            </p:stCondLst>
+                            <p:childTnLst>
+                              <p:par>
+                                <p:cTn id="21" presetID="1" presetClass="entr" presetSubtype="0" fill="hold" nodeType="clickEffect">
+                                  <p:stCondLst>
+                                    <p:cond delay="0"/>
+                                  </p:stCondLst>
+                                  <p:childTnLst>
+                                    <p:set>
+                                      <p:cBhvr>
+                                        <p:cTn id="22" dur="1" fill="hold">
+                                          <p:stCondLst>
+                                            <p:cond delay="0"/>
+                                          </p:stCondLst>
+                                        </p:cTn>
+                                        <p:tgtEl>
+                                          <p:spTgt spid="2">
+                                            <p:txEl>
+                                              <p:pRg st="5" end="5"/>
+                                            </p:txEl>
+                                          </p:spTgt>
+                                        </p:tgtEl>
+                                        <p:attrNameLst>
+                                          <p:attrName>style.visibility</p:attrName>
+                                        </p:attrNameLst>
+                                      </p:cBhvr>
+                                      <p:to>
+                                        <p:strVal val="visible"/>
+                                      </p:to>
+                                    </p:set>
+                                  </p:childTnLst>
+                                </p:cTn>
+                              </p:par>
+                            </p:childTnLst>
+                          </p:cTn>
+                        </p:par>
+                      </p:childTnLst>
+                    </p:cTn>
+                  </p:par>
+                  <p:par>
+                    <p:cTn id="23" fill="hold">
+                      <p:stCondLst>
+                        <p:cond delay="indefinite"/>
+                      </p:stCondLst>
+                      <p:childTnLst>
+                        <p:par>
+                          <p:cTn id="24" fill="hold">
+                            <p:stCondLst>
+                              <p:cond delay="0"/>
+                            </p:stCondLst>
+                            <p:childTnLst>
+                              <p:par>
+                                <p:cTn id="25" presetID="1" presetClass="entr" presetSubtype="0" fill="hold" nodeType="clickEffect">
+                                  <p:stCondLst>
+                                    <p:cond delay="0"/>
+                                  </p:stCondLst>
+                                  <p:childTnLst>
+                                    <p:set>
+                                      <p:cBhvr>
+                                        <p:cTn id="26" dur="1" fill="hold">
+                                          <p:stCondLst>
+                                            <p:cond delay="0"/>
+                                          </p:stCondLst>
+                                        </p:cTn>
+                                        <p:tgtEl>
+                                          <p:spTgt spid="2">
+                                            <p:txEl>
+                                              <p:pRg st="6" end="6"/>
+                                            </p:txEl>
+                                          </p:spTgt>
+                                        </p:tgtEl>
+                                        <p:attrNameLst>
+                                          <p:attrName>style.visibility</p:attrName>
+                                        </p:attrNameLst>
+                                      </p:cBhvr>
+                                      <p:to>
+                                        <p:strVal val="visible"/>
+                                      </p:to>
+                                    </p:set>
+                                  </p:childTnLst>
+                                </p:cTn>
+                              </p:par>
+                            </p:childTnLst>
+                          </p:cTn>
+                        </p:par>
+                      </p:childTnLst>
+                    </p:cTn>
+                  </p:par>
+                  <p:par>
+                    <p:cTn id="27" fill="hold">
+                      <p:stCondLst>
+                        <p:cond delay="indefinite"/>
+                      </p:stCondLst>
+                      <p:childTnLst>
+                        <p:par>
+                          <p:cTn id="28" fill="hold">
+                            <p:stCondLst>
+                              <p:cond delay="0"/>
+                            </p:stCondLst>
+                            <p:childTnLst>
+                              <p:par>
+                                <p:cTn id="29" presetID="1" presetClass="entr" presetSubtype="0" fill="hold" nodeType="clickEffect">
+                                  <p:stCondLst>
+                                    <p:cond delay="0"/>
+                                  </p:stCondLst>
+                                  <p:childTnLst>
+                                    <p:set>
+                                      <p:cBhvr>
+                                        <p:cTn id="30" dur="1" fill="hold">
+                                          <p:stCondLst>
+                                            <p:cond delay="0"/>
+                                          </p:stCondLst>
+                                        </p:cTn>
+                                        <p:tgtEl>
+                                          <p:spTgt spid="2">
+                                            <p:txEl>
+                                              <p:pRg st="7" end="7"/>
+                                            </p:txEl>
+                                          </p:spTgt>
+                                        </p:tgtEl>
+                                        <p:attrNameLst>
+                                          <p:attrName>style.visibility</p:attrName>
+                                        </p:attrNameLst>
+                                      </p:cBhvr>
+                                      <p:to>
+                                        <p:strVal val="visible"/>
+                                      </p:to>
+                                    </p:set>
+                                  </p:childTnLst>
+                                </p:cTn>
+                              </p:par>
+                            </p:childTnLst>
+                          </p:cTn>
+                        </p:par>
+                      </p:childTnLst>
+                    </p:cTn>
+                  </p:par>
+                  <p:par>
+                    <p:cTn id="31" fill="hold">
+                      <p:stCondLst>
+                        <p:cond delay="indefinite"/>
+                      </p:stCondLst>
+                      <p:childTnLst>
+                        <p:par>
+                          <p:cTn id="32" fill="hold">
+                            <p:stCondLst>
+                              <p:cond delay="0"/>
+                            </p:stCondLst>
+                            <p:childTnLst>
+                              <p:par>
+                                <p:cTn id="33" presetID="1" presetClass="entr" presetSubtype="0" fill="hold" nodeType="clickEffect">
+                                  <p:stCondLst>
+                                    <p:cond delay="0"/>
+                                  </p:stCondLst>
+                                  <p:childTnLst>
+                                    <p:set>
+                                      <p:cBhvr>
+                                        <p:cTn id="34" dur="1" fill="hold">
+                                          <p:stCondLst>
+                                            <p:cond delay="0"/>
+                                          </p:stCondLst>
+                                        </p:cTn>
+                                        <p:tgtEl>
+                                          <p:spTgt spid="2">
+                                            <p:txEl>
+                                              <p:pRg st="9" end="9"/>
+                                            </p:txEl>
+                                          </p:spTgt>
+                                        </p:tgtEl>
+                                        <p:attrNameLst>
+                                          <p:attrName>style.visibility</p:attrName>
+                                        </p:attrNameLst>
+                                      </p:cBhvr>
+                                      <p:to>
+                                        <p:strVal val="visible"/>
+                                      </p:to>
+                                    </p:set>
+                                  </p:childTnLst>
+                                </p:cTn>
+                              </p:par>
+                            </p:childTnLst>
+                          </p:cTn>
+                        </p:par>
+                      </p:childTnLst>
+                    </p:cTn>
+                  </p:par>
+                  <p:par>
+                    <p:cTn id="35" fill="hold">
+                      <p:stCondLst>
+                        <p:cond delay="indefinite"/>
+                      </p:stCondLst>
+                      <p:childTnLst>
+                        <p:par>
+                          <p:cTn id="36" fill="hold">
+                            <p:stCondLst>
+                              <p:cond delay="0"/>
+                            </p:stCondLst>
+                            <p:childTnLst>
+                              <p:par>
+                                <p:cTn id="37" presetID="1" presetClass="entr" presetSubtype="0" fill="hold" nodeType="clickEffect">
+                                  <p:stCondLst>
+                                    <p:cond delay="0"/>
+                                  </p:stCondLst>
+                                  <p:childTnLst>
+                                    <p:set>
+                                      <p:cBhvr>
+                                        <p:cTn id="38" dur="1" fill="hold">
+                                          <p:stCondLst>
+                                            <p:cond delay="0"/>
+                                          </p:stCondLst>
+                                        </p:cTn>
+                                        <p:tgtEl>
+                                          <p:spTgt spid="2">
+                                            <p:txEl>
+                                              <p:pRg st="10" end="10"/>
+                                            </p:txEl>
+                                          </p:spTgt>
+                                        </p:tgtEl>
+                                        <p:attrNameLst>
+                                          <p:attrName>style.visibility</p:attrName>
+                                        </p:attrNameLst>
+                                      </p:cBhvr>
+                                      <p:to>
+                                        <p:strVal val="visible"/>
+                                      </p:to>
+                                    </p:set>
+                                  </p:childTnLst>
+                                </p:cTn>
+                              </p:par>
+                            </p:childTnLst>
+                          </p:cTn>
+                        </p:par>
+                      </p:childTnLst>
+                    </p:cTn>
+                  </p:par>
+                  <p:par>
+                    <p:cTn id="39" fill="hold">
+                      <p:stCondLst>
+                        <p:cond delay="indefinite"/>
+                      </p:stCondLst>
+                      <p:childTnLst>
+                        <p:par>
+                          <p:cTn id="40" fill="hold">
+                            <p:stCondLst>
+                              <p:cond delay="0"/>
+                            </p:stCondLst>
+                            <p:childTnLst>
+                              <p:par>
+                                <p:cTn id="41" presetID="1" presetClass="entr" presetSubtype="0" fill="hold" nodeType="clickEffect">
+                                  <p:stCondLst>
+                                    <p:cond delay="0"/>
+                                  </p:stCondLst>
+                                  <p:childTnLst>
+                                    <p:set>
+                                      <p:cBhvr>
+                                        <p:cTn id="42" dur="1" fill="hold">
+                                          <p:stCondLst>
+                                            <p:cond delay="0"/>
+                                          </p:stCondLst>
+                                        </p:cTn>
+                                        <p:tgtEl>
+                                          <p:spTgt spid="2">
+                                            <p:txEl>
+                                              <p:pRg st="12" end="12"/>
+                                            </p:txEl>
+                                          </p:spTgt>
+                                        </p:tgtEl>
+                                        <p:attrNameLst>
+                                          <p:attrName>style.visibility</p:attrName>
+                                        </p:attrNameLst>
+                                      </p:cBhvr>
+                                      <p:to>
+                                        <p:strVal val="visible"/>
+                                      </p:to>
+                                    </p:set>
+                                  </p:childTnLst>
+                                </p:cTn>
+                              </p:par>
+                            </p:childTnLst>
+                          </p:cTn>
+                        </p:par>
+                      </p:childTnLst>
+                    </p:cTn>
+                  </p:par>
+                  <p:par>
+                    <p:cTn id="43" fill="hold">
+                      <p:stCondLst>
+                        <p:cond delay="indefinite"/>
+                      </p:stCondLst>
+                      <p:childTnLst>
+                        <p:par>
+                          <p:cTn id="44" fill="hold">
+                            <p:stCondLst>
+                              <p:cond delay="0"/>
+                            </p:stCondLst>
+                            <p:childTnLst>
+                              <p:par>
+                                <p:cTn id="45" presetID="1" presetClass="entr" presetSubtype="0" fill="hold" nodeType="clickEffect">
+                                  <p:stCondLst>
+                                    <p:cond delay="0"/>
+                                  </p:stCondLst>
+                                  <p:childTnLst>
+                                    <p:set>
+                                      <p:cBhvr>
+                                        <p:cTn id="46" dur="1" fill="hold">
+                                          <p:stCondLst>
+                                            <p:cond delay="0"/>
+                                          </p:stCondLst>
+                                        </p:cTn>
+                                        <p:tgtEl>
+                                          <p:spTgt spid="2">
+                                            <p:txEl>
+                                              <p:pRg st="13" end="13"/>
+                                            </p:txEl>
+                                          </p:spTgt>
+                                        </p:tgtEl>
+                                        <p:attrNameLst>
+                                          <p:attrName>style.visibility</p:attrName>
+                                        </p:attrNameLst>
+                                      </p:cBhvr>
+                                      <p:to>
+                                        <p:strVal val="visible"/>
+                                      </p:to>
+                                    </p:set>
+                                  </p:childTnLst>
+                                </p:cTn>
+                              </p:par>
+                            </p:childTnLst>
+                          </p:cTn>
+                        </p:par>
+                      </p:childTnLst>
+                    </p:cTn>
+                  </p:par>
+                  <p:par>
+                    <p:cTn id="47" fill="hold">
+                      <p:stCondLst>
+                        <p:cond delay="indefinite"/>
+                      </p:stCondLst>
+                      <p:childTnLst>
+                        <p:par>
+                          <p:cTn id="48" fill="hold">
+                            <p:stCondLst>
+                              <p:cond delay="0"/>
+                            </p:stCondLst>
+                            <p:childTnLst>
+                              <p:par>
+                                <p:cTn id="49" presetID="1" presetClass="entr" presetSubtype="0" fill="hold" nodeType="clickEffect">
+                                  <p:stCondLst>
+                                    <p:cond delay="0"/>
+                                  </p:stCondLst>
+                                  <p:childTnLst>
+                                    <p:set>
+                                      <p:cBhvr>
+                                        <p:cTn id="50" dur="1" fill="hold">
+                                          <p:stCondLst>
+                                            <p:cond delay="0"/>
+                                          </p:stCondLst>
+                                        </p:cTn>
+                                        <p:tgtEl>
+                                          <p:spTgt spid="2">
+                                            <p:txEl>
+                                              <p:pRg st="14" end="14"/>
+                                            </p:txEl>
+                                          </p:spTgt>
+                                        </p:tgtEl>
+                                        <p:attrNameLst>
+                                          <p:attrName>style.visibility</p:attrName>
+                                        </p:attrNameLst>
+                                      </p:cBhvr>
+                                      <p:to>
+                                        <p:strVal val="visible"/>
+                                      </p:to>
+                                    </p:set>
+                                  </p:childTnLst>
+                                </p:cTn>
+                              </p:par>
+                            </p:childTnLst>
+                          </p:cTn>
+                        </p:par>
+                      </p:childTnLst>
+                    </p:cTn>
+                  </p:par>
+                </p:childTnLst>
+              </p:cTn>
+              <p:prevCondLst>
+                <p:cond evt="onPrev" delay="0">
+                  <p:tgtEl>
+                    <p:sldTgt/>
+                  </p:tgtEl>
+                </p:cond>
+              </p:prevCondLst>
+              <p:nextCondLst>
+                <p:cond evt="onNext" delay="0">
+                  <p:tgtEl>
+                    <p:sldTgt/>
+                  </p:tgtEl>
+                </p:cond>
+              </p:nextCondLst>
+            </p:seq>
+          </p:childTnLst>
+        </p:cTn>
+      </p:par>
+    </p:tnLst>
+  </p:timing>
+</p:sld>
+</file>
+
+<file path=ppt/slides/slide17.xml><?xml version="1.0" encoding="utf-8"?>
+<p:sld xmlns:a="http://schemas.openxmlformats.org/drawingml/2006/main" xmlns:r="http://schemas.openxmlformats.org/officeDocument/2006/relationships" xmlns:p="http://schemas.openxmlformats.org/presentationml/2006/main">
+  <p:cSld>
+    <p:bg>
+      <p:bgPr>
+        <a:solidFill>
+          <a:srgbClr val="6CA45E"/>
+        </a:solidFill>
+        <a:effectLst/>
+      </p:bgPr>
+    </p:bg>
+    <p:spTree>
+      <p:nvGrpSpPr>
+        <p:cNvPr id="1" name=""/>
+        <p:cNvGrpSpPr/>
+        <p:nvPr/>
+      </p:nvGrpSpPr>
+      <p:grpSpPr/>
+      <p:sp>
+        <p:nvSpPr>
+          <p:cNvPr id="5" name="文本框 4"/>
+          <p:cNvSpPr txBox="1"/>
+          <p:nvPr/>
+        </p:nvSpPr>
+        <p:spPr>
+          <a:xfrm>
+            <a:off x="969645" y="512445"/>
             <a:ext cx="4554855" cy="460375"/>
           </a:xfrm>
           <a:prstGeom prst="rect">
@@ -16511,7 +18153,7 @@
         <p:spPr>
           <a:xfrm>
             <a:off x="1197610" y="1659890"/>
-            <a:ext cx="8891905" cy="3538220"/>
+            <a:ext cx="8891905" cy="4399915"/>
           </a:xfrm>
           <a:prstGeom prst="rect">
             <a:avLst/>
@@ -16707,6 +18349,58 @@
                 <a:ea typeface="+mj-ea"/>
               </a:rPr>
               <a:t>- https://docschina.org/</a:t>
+            </a:r>
+            <a:endParaRPr lang="en-US" altLang="zh-CN" sz="2000">
+              <a:solidFill>
+                <a:schemeClr val="bg1"/>
+              </a:solidFill>
+              <a:latin typeface="+mj-ea"/>
+              <a:ea typeface="+mj-ea"/>
+            </a:endParaRPr>
+          </a:p>
+          <a:p>
+            <a:pPr marL="457200" indent="-457200">
+              <a:lnSpc>
+                <a:spcPct val="140000"/>
+              </a:lnSpc>
+              <a:buFont typeface="+mj-lt"/>
+              <a:buAutoNum type="arabicPeriod"/>
+            </a:pPr>
+            <a:r>
+              <a:rPr lang="en-US" altLang="zh-CN" sz="2000">
+                <a:solidFill>
+                  <a:schemeClr val="bg1"/>
+                </a:solidFill>
+                <a:latin typeface="+mj-ea"/>
+                <a:ea typeface="+mj-ea"/>
+              </a:rPr>
+              <a:t>KOA  -  http://koajs.com/</a:t>
+            </a:r>
+            <a:endParaRPr lang="en-US" altLang="zh-CN" sz="2000">
+              <a:solidFill>
+                <a:schemeClr val="bg1"/>
+              </a:solidFill>
+              <a:latin typeface="+mj-ea"/>
+              <a:ea typeface="+mj-ea"/>
+            </a:endParaRPr>
+          </a:p>
+          <a:p>
+            <a:pPr marL="457200" indent="-457200">
+              <a:lnSpc>
+                <a:spcPct val="140000"/>
+              </a:lnSpc>
+              <a:buFont typeface="+mj-lt"/>
+              <a:buAutoNum type="arabicPeriod"/>
+            </a:pPr>
+            <a:r>
+              <a:rPr lang="en-US" altLang="zh-CN" sz="2000">
+                <a:solidFill>
+                  <a:schemeClr val="bg1"/>
+                </a:solidFill>
+                <a:latin typeface="+mj-ea"/>
+                <a:ea typeface="+mj-ea"/>
+              </a:rPr>
+              <a:t>koa-router - https://www.npmjs.com/package/koa-router</a:t>
             </a:r>
             <a:endParaRPr lang="en-US" altLang="zh-CN" sz="2000">
               <a:solidFill>
@@ -16774,7 +18468,7 @@
 </p:sld>
 </file>
 
-<file path=ppt/slides/slide17.xml><?xml version="1.0" encoding="utf-8"?>
+<file path=ppt/slides/slide18.xml><?xml version="1.0" encoding="utf-8"?>
 <p:sld xmlns:a="http://schemas.openxmlformats.org/drawingml/2006/main" xmlns:r="http://schemas.openxmlformats.org/officeDocument/2006/relationships" xmlns:p="http://schemas.openxmlformats.org/presentationml/2006/main">
   <p:cSld>
     <p:bg>
@@ -17045,21 +18739,23 @@
               <a:buAutoNum type="ea1JpnChsDbPeriod"/>
             </a:pPr>
             <a:r>
-              <a:rPr lang="en-US" altLang="zh-CN" sz="2000">
-                <a:solidFill>
-                  <a:schemeClr val="bg1"/>
-                </a:solidFill>
-                <a:latin typeface="+mj-ea"/>
-                <a:ea typeface="+mj-ea"/>
-              </a:rPr>
-              <a:t>socket.io</a:t>
-            </a:r>
-            <a:endParaRPr lang="en-US" altLang="zh-CN" sz="2000">
+              <a:rPr lang="zh-CN" altLang="en-US" sz="2000">
+                <a:solidFill>
+                  <a:schemeClr val="bg1"/>
+                </a:solidFill>
+                <a:latin typeface="+mj-ea"/>
+                <a:ea typeface="+mj-ea"/>
+                <a:sym typeface="+mn-ea"/>
+              </a:rPr>
+              <a:t>表单</a:t>
+            </a:r>
+            <a:endParaRPr lang="zh-CN" altLang="en-US" sz="2000">
               <a:solidFill>
                 <a:schemeClr val="bg1"/>
               </a:solidFill>
               <a:latin typeface="+mj-ea"/>
               <a:ea typeface="+mj-ea"/>
+              <a:sym typeface="+mn-ea"/>
             </a:endParaRPr>
           </a:p>
           <a:p>
